--- a/Experiments/Exp2 [Autosaved].pptx
+++ b/Experiments/Exp2 [Autosaved].pptx
@@ -10242,13 +10242,23 @@
             </a:r>
             <a:r>
               <a:rPr lang="nl-NL" dirty="0" smtClean="0"/>
-              <a:t> </a:t>
-            </a:r>
-            <a:r>
-              <a:rPr lang="nl-NL" dirty="0" smtClean="0">
-                <a:sym typeface="Wingdings" panose="05000000000000000000" pitchFamily="2" charset="2"/>
-              </a:rPr>
-              <a:t></a:t>
+              <a:t>, </a:t>
+            </a:r>
+            <a:r>
+              <a:rPr lang="nl-NL" dirty="0" err="1" smtClean="0"/>
+              <a:t>will</a:t>
+            </a:r>
+            <a:r>
+              <a:rPr lang="nl-NL" dirty="0" smtClean="0"/>
+              <a:t> check </a:t>
+            </a:r>
+            <a:r>
+              <a:rPr lang="nl-NL" dirty="0" err="1" smtClean="0"/>
+              <a:t>the</a:t>
+            </a:r>
+            <a:r>
+              <a:rPr lang="nl-NL" smtClean="0"/>
+              <a:t> detail.</a:t>
             </a:r>
             <a:endParaRPr lang="nl-NL" dirty="0" smtClean="0"/>
           </a:p>
@@ -10397,8 +10407,21 @@
             </a:r>
             <a:r>
               <a:rPr lang="nl-NL" dirty="0" smtClean="0"/>
-              <a:t>, padding:</a:t>
-            </a:r>
+              <a:t>, </a:t>
+            </a:r>
+            <a:r>
+              <a:rPr lang="nl-NL" dirty="0" smtClean="0"/>
+              <a:t>padding + </a:t>
+            </a:r>
+            <a:r>
+              <a:rPr lang="nl-NL" dirty="0" err="1" smtClean="0"/>
+              <a:t>crop</a:t>
+            </a:r>
+            <a:r>
+              <a:rPr lang="nl-NL" dirty="0" smtClean="0"/>
+              <a:t>:</a:t>
+            </a:r>
+            <a:endParaRPr lang="nl-NL" dirty="0" smtClean="0"/>
           </a:p>
           <a:p>
             <a:pPr marL="700088" lvl="1" indent="-342900">
@@ -11584,15 +11607,7 @@
           <a:p>
             <a:r>
               <a:rPr lang="en-US" dirty="0" smtClean="0"/>
-              <a:t>Noticed that some overlapped tumors are small, and with few slices. so maybe also can set a relative </a:t>
-            </a:r>
-            <a:r>
-              <a:rPr lang="en-US" dirty="0" smtClean="0"/>
-              <a:t>threshold(medium, or quantile…) </a:t>
-            </a:r>
-            <a:r>
-              <a:rPr lang="en-US" dirty="0" smtClean="0"/>
-              <a:t>to filter some </a:t>
+              <a:t>Noticed that some overlapped tumors are small, and with few slices. so maybe also can set a relative threshold(medium, or quantile…) to filter some </a:t>
             </a:r>
             <a:r>
               <a:rPr lang="zh-CN" altLang="en-US" dirty="0" smtClean="0"/>
@@ -11600,9 +11615,12 @@
             </a:r>
             <a:r>
               <a:rPr lang="en-US" altLang="zh-CN" dirty="0" smtClean="0"/>
-              <a:t>large tumors”?,</a:t>
-            </a:r>
-            <a:endParaRPr lang="en-US" dirty="0"/>
+              <a:t>large tumors</a:t>
+            </a:r>
+            <a:r>
+              <a:rPr lang="en-US" altLang="zh-CN" dirty="0" smtClean="0"/>
+              <a:t>”? </a:t>
+            </a:r>
           </a:p>
         </p:txBody>
       </p:sp>
@@ -11760,18 +11778,7 @@
                 <a:ea typeface="Arial Black" charset="0"/>
                 <a:cs typeface="Arial Black" charset="0"/>
               </a:rPr>
-              <a:t>irst extract each single </a:t>
-            </a:r>
-            <a:r>
-              <a:rPr lang="en-US" altLang="zh-CN" sz="1200" i="0" kern="0" dirty="0" smtClean="0">
-                <a:solidFill>
-                  <a:srgbClr val="0C2074"/>
-                </a:solidFill>
-                <a:latin typeface="Arial Black" charset="0"/>
-                <a:ea typeface="Arial Black" charset="0"/>
-                <a:cs typeface="Arial Black" charset="0"/>
-              </a:rPr>
-              <a:t>tumor –&gt;resample to (0.7,0.7,1)</a:t>
+              <a:t>irst extract each single tumor –&gt;resample to (0.7,0.7,1)</a:t>
             </a:r>
             <a:r>
               <a:rPr lang="en-US" altLang="zh-CN" sz="1200" i="0" kern="0" dirty="0" smtClean="0">
@@ -11810,18 +11817,7 @@
                 <a:ea typeface="Arial Black" charset="0"/>
                 <a:cs typeface="Arial Black" charset="0"/>
               </a:rPr>
-              <a:t>Include overlapped slices as a single tumor (599 tumors</a:t>
-            </a:r>
-            <a:r>
-              <a:rPr lang="en-US" altLang="zh-CN" sz="1200" i="0" kern="0" dirty="0" smtClean="0">
-                <a:solidFill>
-                  <a:srgbClr val="0C2074"/>
-                </a:solidFill>
-                <a:latin typeface="Arial Black" charset="0"/>
-                <a:ea typeface="Arial Black" charset="0"/>
-                <a:cs typeface="Arial Black" charset="0"/>
-              </a:rPr>
-              <a:t>)—&gt; </a:t>
+              <a:t>Include overlapped slices as a single tumor (599 tumors)—&gt; </a:t>
             </a:r>
             <a:r>
               <a:rPr lang="en-US" altLang="zh-CN" sz="1200" i="0" kern="0" dirty="0" err="1" smtClean="0">
@@ -12057,6 +12053,183 @@
           </a:p>
         </p:txBody>
       </p:sp>
+      <p:sp>
+        <p:nvSpPr>
+          <p:cNvPr id="5" name="TextBox 4"/>
+          <p:cNvSpPr txBox="1"/>
+          <p:nvPr/>
+        </p:nvSpPr>
+        <p:spPr bwMode="auto">
+          <a:xfrm>
+            <a:off x="97706" y="3993650"/>
+            <a:ext cx="6746630" cy="553998"/>
+          </a:xfrm>
+          <a:prstGeom prst="rect">
+            <a:avLst/>
+          </a:prstGeom>
+          <a:noFill/>
+          <a:ln>
+            <a:noFill/>
+          </a:ln>
+          <a:effectLst/>
+          <a:extLst>
+            <a:ext uri="{FAA26D3D-D897-4be2-8F04-BA451C77F1D7}">
+              <ma14:placeholderFlag xmlns:ma14="http://schemas.microsoft.com/office/mac/drawingml/2011/main" xmlns="" val="1"/>
+            </a:ext>
+            <a:ext uri="{909E8E84-426E-40dd-AFC4-6F175D3DCCD1}">
+              <a14:hiddenFill xmlns:a14="http://schemas.microsoft.com/office/drawing/2010/main" xmlns="">
+                <a:solidFill>
+                  <a:srgbClr val="0D1F74"/>
+                </a:solidFill>
+              </a14:hiddenFill>
+            </a:ext>
+            <a:ext uri="{91240B29-F687-4f45-9708-019B960494DF}">
+              <a14:hiddenLine xmlns:a14="http://schemas.microsoft.com/office/drawing/2010/main" xmlns="" w="9525">
+                <a:solidFill>
+                  <a:schemeClr val="tx1"/>
+                </a:solidFill>
+                <a:miter lim="800000"/>
+                <a:headEnd/>
+                <a:tailEnd/>
+              </a14:hiddenLine>
+            </a:ext>
+            <a:ext uri="{AF507438-7753-43e0-B8FC-AC1667EBCBE1}">
+              <a14:hiddenEffects xmlns:a14="http://schemas.microsoft.com/office/drawing/2010/main" xmlns="">
+                <a:effectLst>
+                  <a:outerShdw blurRad="63500" dist="38099" dir="2700000" algn="ctr" rotWithShape="0">
+                    <a:schemeClr val="bg2">
+                      <a:alpha val="74998"/>
+                    </a:schemeClr>
+                  </a:outerShdw>
+                </a:effectLst>
+              </a14:hiddenEffects>
+            </a:ext>
+          </a:extLst>
+        </p:spPr>
+        <p:txBody>
+          <a:bodyPr vert="horz" wrap="square" lIns="91440" tIns="45720" rIns="91440" bIns="45720" numCol="1" rtlCol="0" anchor="t" anchorCtr="0" compatLnSpc="1">
+            <a:prstTxWarp prst="textNoShape">
+              <a:avLst/>
+            </a:prstTxWarp>
+            <a:spAutoFit/>
+          </a:bodyPr>
+          <a:lstStyle/>
+          <a:p>
+            <a:pPr marL="228600" indent="-228600">
+              <a:buAutoNum type="arabicPeriod"/>
+            </a:pPr>
+            <a:r>
+              <a:rPr lang="en-US" sz="1000" i="0" kern="0" dirty="0" smtClean="0">
+                <a:solidFill>
+                  <a:srgbClr val="0C2074"/>
+                </a:solidFill>
+                <a:latin typeface="Arial Black" charset="0"/>
+                <a:ea typeface="Arial Black" charset="0"/>
+                <a:cs typeface="Arial Black" charset="0"/>
+              </a:rPr>
+              <a:t>For </a:t>
+            </a:r>
+            <a:r>
+              <a:rPr lang="en-US" sz="1000" i="0" kern="0" dirty="0" err="1" smtClean="0">
+                <a:solidFill>
+                  <a:srgbClr val="0C2074"/>
+                </a:solidFill>
+                <a:latin typeface="Arial Black" charset="0"/>
+                <a:ea typeface="Arial Black" charset="0"/>
+                <a:cs typeface="Arial Black" charset="0"/>
+              </a:rPr>
+              <a:t>resnet</a:t>
+            </a:r>
+            <a:r>
+              <a:rPr lang="en-US" sz="1000" i="0" kern="0" dirty="0" smtClean="0">
+                <a:solidFill>
+                  <a:srgbClr val="0C2074"/>
+                </a:solidFill>
+                <a:latin typeface="Arial Black" charset="0"/>
+                <a:ea typeface="Arial Black" charset="0"/>
+                <a:cs typeface="Arial Black" charset="0"/>
+              </a:rPr>
+              <a:t>, input raw data; For </a:t>
+            </a:r>
+            <a:r>
+              <a:rPr lang="en-US" sz="1000" i="0" kern="0" dirty="0" err="1" smtClean="0">
+                <a:solidFill>
+                  <a:srgbClr val="0C2074"/>
+                </a:solidFill>
+                <a:latin typeface="Arial Black" charset="0"/>
+                <a:ea typeface="Arial Black" charset="0"/>
+                <a:cs typeface="Arial Black" charset="0"/>
+              </a:rPr>
+              <a:t>Swin</a:t>
+            </a:r>
+            <a:r>
+              <a:rPr lang="en-US" sz="1000" i="0" kern="0" dirty="0" smtClean="0">
+                <a:solidFill>
+                  <a:srgbClr val="0C2074"/>
+                </a:solidFill>
+                <a:latin typeface="Arial Black" charset="0"/>
+                <a:ea typeface="Arial Black" charset="0"/>
+                <a:cs typeface="Arial Black" charset="0"/>
+              </a:rPr>
+              <a:t>-transformer, padding with Crop to (256,256,64)</a:t>
+            </a:r>
+          </a:p>
+          <a:p>
+            <a:pPr marL="228600" indent="-228600">
+              <a:buAutoNum type="arabicPeriod"/>
+            </a:pPr>
+            <a:r>
+              <a:rPr lang="en-US" sz="1000" i="0" kern="0" dirty="0" smtClean="0">
+                <a:solidFill>
+                  <a:srgbClr val="0C2074"/>
+                </a:solidFill>
+                <a:latin typeface="Arial Black" charset="0"/>
+                <a:ea typeface="Arial Black" charset="0"/>
+                <a:cs typeface="Arial Black" charset="0"/>
+              </a:rPr>
+              <a:t>For the parameters will do some pre-</a:t>
+            </a:r>
+            <a:r>
+              <a:rPr lang="en-US" sz="1000" i="0" kern="0" dirty="0" err="1" smtClean="0">
+                <a:solidFill>
+                  <a:srgbClr val="0C2074"/>
+                </a:solidFill>
+                <a:latin typeface="Arial Black" charset="0"/>
+                <a:ea typeface="Arial Black" charset="0"/>
+                <a:cs typeface="Arial Black" charset="0"/>
+              </a:rPr>
+              <a:t>exps</a:t>
+            </a:r>
+            <a:r>
+              <a:rPr lang="en-US" sz="1000" i="0" kern="0" dirty="0" smtClean="0">
+                <a:solidFill>
+                  <a:srgbClr val="0C2074"/>
+                </a:solidFill>
+                <a:latin typeface="Arial Black" charset="0"/>
+                <a:ea typeface="Arial Black" charset="0"/>
+                <a:cs typeface="Arial Black" charset="0"/>
+              </a:rPr>
+              <a:t> to see if it works.</a:t>
+            </a:r>
+          </a:p>
+          <a:p>
+            <a:pPr marL="228600" indent="-228600">
+              <a:buAutoNum type="arabicPeriod"/>
+            </a:pPr>
+            <a:r>
+              <a:rPr lang="en-US" sz="1000" i="0" kern="0" dirty="0" smtClean="0">
+                <a:solidFill>
+                  <a:srgbClr val="0C2074"/>
+                </a:solidFill>
+                <a:latin typeface="Arial Black" charset="0"/>
+                <a:ea typeface="Arial Black" charset="0"/>
+                <a:cs typeface="Arial Black" charset="0"/>
+              </a:rPr>
+              <a:t>Per tumor is still to be decided how to extract.</a:t>
+            </a:r>
+          </a:p>
+        </p:txBody>
+      </p:sp>
       <p:graphicFrame>
         <p:nvGraphicFramePr>
           <p:cNvPr id="4" name="Table 3"/>
@@ -12066,14 +12239,14 @@
           <p:nvPr>
             <p:extLst>
               <p:ext uri="{D42A27DB-BD31-4B8C-83A1-F6EECF244321}">
-                <p14:modId xmlns:p14="http://schemas.microsoft.com/office/powerpoint/2010/main" val="2962998550"/>
+                <p14:modId xmlns:p14="http://schemas.microsoft.com/office/powerpoint/2010/main" val="1039139286"/>
               </p:ext>
             </p:extLst>
           </p:nvPr>
         </p:nvGraphicFramePr>
         <p:xfrm>
-          <a:off x="876300" y="949568"/>
-          <a:ext cx="7391400" cy="2278314"/>
+          <a:off x="554892" y="953965"/>
+          <a:ext cx="7252676" cy="3098800"/>
         </p:xfrm>
         <a:graphic>
           <a:graphicData uri="http://schemas.openxmlformats.org/drawingml/2006/table">
@@ -12082,29 +12255,36 @@
                 <a:tableStyleId>{5C22544A-7EE6-4342-B048-85BDC9FD1C3A}</a:tableStyleId>
               </a:tblPr>
               <a:tblGrid>
-                <a:gridCol w="2463800">
+                <a:gridCol w="1813169">
                   <a:extLst>
                     <a:ext uri="{9D8B030D-6E8A-4147-A177-3AD203B41FA5}">
-                      <a16:colId xmlns:a16="http://schemas.microsoft.com/office/drawing/2014/main" val="3151093849"/>
+                      <a16:colId xmlns:a16="http://schemas.microsoft.com/office/drawing/2014/main" val="1682276710"/>
                     </a:ext>
                   </a:extLst>
                 </a:gridCol>
-                <a:gridCol w="2463800">
+                <a:gridCol w="1813169">
                   <a:extLst>
                     <a:ext uri="{9D8B030D-6E8A-4147-A177-3AD203B41FA5}">
-                      <a16:colId xmlns:a16="http://schemas.microsoft.com/office/drawing/2014/main" val="4104970762"/>
+                      <a16:colId xmlns:a16="http://schemas.microsoft.com/office/drawing/2014/main" val="3890109054"/>
                     </a:ext>
                   </a:extLst>
                 </a:gridCol>
-                <a:gridCol w="2463800">
+                <a:gridCol w="1813169">
                   <a:extLst>
                     <a:ext uri="{9D8B030D-6E8A-4147-A177-3AD203B41FA5}">
-                      <a16:colId xmlns:a16="http://schemas.microsoft.com/office/drawing/2014/main" val="1858552998"/>
+                      <a16:colId xmlns:a16="http://schemas.microsoft.com/office/drawing/2014/main" val="475991010"/>
+                    </a:ext>
+                  </a:extLst>
+                </a:gridCol>
+                <a:gridCol w="1813169">
+                  <a:extLst>
+                    <a:ext uri="{9D8B030D-6E8A-4147-A177-3AD203B41FA5}">
+                      <a16:colId xmlns:a16="http://schemas.microsoft.com/office/drawing/2014/main" val="2660603867"/>
                     </a:ext>
                   </a:extLst>
                 </a:gridCol>
               </a:tblGrid>
-              <a:tr h="197533">
+              <a:tr h="370840">
                 <a:tc>
                   <a:txBody>
                     <a:bodyPr/>
@@ -12140,7 +12320,21 @@
                     <a:p>
                       <a:r>
                         <a:rPr lang="en-US" dirty="0" smtClean="0"/>
-                        <a:t>Set</a:t>
+                        <a:t>Input</a:t>
+                      </a:r>
+                      <a:endParaRPr lang="en-US" dirty="0"/>
+                    </a:p>
+                  </a:txBody>
+                  <a:tcPr/>
+                </a:tc>
+                <a:tc>
+                  <a:txBody>
+                    <a:bodyPr/>
+                    <a:lstStyle/>
+                    <a:p>
+                      <a:r>
+                        <a:rPr lang="en-US" dirty="0" smtClean="0"/>
+                        <a:t>Status</a:t>
                       </a:r>
                       <a:endParaRPr lang="en-US" dirty="0"/>
                     </a:p>
@@ -12149,11 +12343,11 @@
                 </a:tc>
                 <a:extLst>
                   <a:ext uri="{0D108BD9-81ED-4DB2-BD59-A6C34878D82A}">
-                    <a16:rowId xmlns:a16="http://schemas.microsoft.com/office/drawing/2014/main" val="3994424561"/>
+                    <a16:rowId xmlns:a16="http://schemas.microsoft.com/office/drawing/2014/main" val="121459074"/>
                   </a:ext>
                 </a:extLst>
               </a:tr>
-              <a:tr h="349064">
+              <a:tr h="370840">
                 <a:tc>
                   <a:txBody>
                     <a:bodyPr/>
@@ -12191,31 +12385,6 @@
                         <a:rPr lang="en-US" dirty="0" smtClean="0"/>
                         <a:t>DA</a:t>
                       </a:r>
-                      <a:r>
-                        <a:rPr lang="en-US" baseline="0" dirty="0" smtClean="0"/>
-                        <a:t> + reduce feature maps</a:t>
-                      </a:r>
-                      <a:endParaRPr lang="en-US" dirty="0"/>
-                    </a:p>
-                  </a:txBody>
-                  <a:tcPr/>
-                </a:tc>
-                <a:extLst>
-                  <a:ext uri="{0D108BD9-81ED-4DB2-BD59-A6C34878D82A}">
-                    <a16:rowId xmlns:a16="http://schemas.microsoft.com/office/drawing/2014/main" val="3786911236"/>
-                  </a:ext>
-                </a:extLst>
-              </a:tr>
-              <a:tr h="257391">
-                <a:tc>
-                  <a:txBody>
-                    <a:bodyPr/>
-                    <a:lstStyle/>
-                    <a:p>
-                      <a:r>
-                        <a:rPr lang="en-US" dirty="0" smtClean="0"/>
-                        <a:t>Largest</a:t>
-                      </a:r>
                       <a:endParaRPr lang="en-US" dirty="0"/>
                     </a:p>
                   </a:txBody>
@@ -12228,29 +12397,7 @@
                     <a:p>
                       <a:r>
                         <a:rPr lang="en-US" dirty="0" smtClean="0"/>
-                        <a:t>Resnet10</a:t>
-                      </a:r>
-                      <a:endParaRPr lang="en-US" dirty="0"/>
-                    </a:p>
-                  </a:txBody>
-                  <a:tcPr/>
-                </a:tc>
-                <a:tc>
-                  <a:txBody>
-                    <a:bodyPr/>
-                    <a:lstStyle/>
-                    <a:p>
-                      <a:r>
-                        <a:rPr lang="en-US" dirty="0" smtClean="0"/>
-                        <a:t>DA + </a:t>
-                      </a:r>
-                      <a:r>
-                        <a:rPr lang="en-US" dirty="0" err="1" smtClean="0"/>
-                        <a:t>Dropblock</a:t>
-                      </a:r>
-                      <a:r>
-                        <a:rPr lang="en-US" baseline="0" dirty="0" smtClean="0"/>
-                        <a:t> </a:t>
+                        <a:t>Done</a:t>
                       </a:r>
                       <a:endParaRPr lang="en-US" dirty="0"/>
                     </a:p>
@@ -12259,81 +12406,11 @@
                 </a:tc>
                 <a:extLst>
                   <a:ext uri="{0D108BD9-81ED-4DB2-BD59-A6C34878D82A}">
-                    <a16:rowId xmlns:a16="http://schemas.microsoft.com/office/drawing/2014/main" val="3415933910"/>
+                    <a16:rowId xmlns:a16="http://schemas.microsoft.com/office/drawing/2014/main" val="2860775536"/>
                   </a:ext>
                 </a:extLst>
               </a:tr>
-              <a:tr h="391466">
-                <a:tc>
-                  <a:txBody>
-                    <a:bodyPr/>
-                    <a:lstStyle/>
-                    <a:p>
-                      <a:r>
-                        <a:rPr lang="en-US" dirty="0" smtClean="0"/>
-                        <a:t>Largest</a:t>
-                      </a:r>
-                      <a:endParaRPr lang="en-US" dirty="0"/>
-                    </a:p>
-                  </a:txBody>
-                  <a:tcPr/>
-                </a:tc>
-                <a:tc>
-                  <a:txBody>
-                    <a:bodyPr/>
-                    <a:lstStyle/>
-                    <a:p>
-                      <a:r>
-                        <a:rPr lang="en-US" dirty="0" err="1" smtClean="0"/>
-                        <a:t>Swin</a:t>
-                      </a:r>
-                      <a:r>
-                        <a:rPr lang="en-US" dirty="0" smtClean="0"/>
-                        <a:t>-transformer</a:t>
-                      </a:r>
-                      <a:endParaRPr lang="en-US" dirty="0"/>
-                    </a:p>
-                  </a:txBody>
-                  <a:tcPr/>
-                </a:tc>
-                <a:tc>
-                  <a:txBody>
-                    <a:bodyPr/>
-                    <a:lstStyle/>
-                    <a:p>
-                      <a:pPr marL="0" marR="0" lvl="0" indent="0" algn="l" defTabSz="685800" rtl="0" eaLnBrk="1" fontAlgn="auto" latinLnBrk="0" hangingPunct="1">
-                        <a:lnSpc>
-                          <a:spcPct val="100000"/>
-                        </a:lnSpc>
-                        <a:spcBef>
-                          <a:spcPts val="0"/>
-                        </a:spcBef>
-                        <a:spcAft>
-                          <a:spcPts val="0"/>
-                        </a:spcAft>
-                        <a:buClrTx/>
-                        <a:buSzTx/>
-                        <a:buFontTx/>
-                        <a:buNone/>
-                        <a:tabLst/>
-                        <a:defRPr/>
-                      </a:pPr>
-                      <a:r>
-                        <a:rPr lang="en-US" dirty="0" smtClean="0"/>
-                        <a:t>DA</a:t>
-                      </a:r>
-                      <a:endParaRPr lang="en-US" dirty="0"/>
-                    </a:p>
-                  </a:txBody>
-                  <a:tcPr/>
-                </a:tc>
-                <a:extLst>
-                  <a:ext uri="{0D108BD9-81ED-4DB2-BD59-A6C34878D82A}">
-                    <a16:rowId xmlns:a16="http://schemas.microsoft.com/office/drawing/2014/main" val="3308457662"/>
-                  </a:ext>
-                </a:extLst>
-              </a:tr>
-              <a:tr h="257391">
+              <a:tr h="370840">
                 <a:tc>
                   <a:txBody>
                     <a:bodyPr/>
@@ -12373,7 +12450,25 @@
                     <a:p>
                       <a:r>
                         <a:rPr lang="en-US" dirty="0" smtClean="0"/>
-                        <a:t>DA + dropout </a:t>
+                        <a:t>DA</a:t>
+                      </a:r>
+                      <a:endParaRPr lang="en-US" dirty="0"/>
+                    </a:p>
+                  </a:txBody>
+                  <a:tcPr/>
+                </a:tc>
+                <a:tc>
+                  <a:txBody>
+                    <a:bodyPr/>
+                    <a:lstStyle/>
+                    <a:p>
+                      <a:r>
+                        <a:rPr lang="en-US" dirty="0" smtClean="0"/>
+                        <a:t>Not</a:t>
+                      </a:r>
+                      <a:r>
+                        <a:rPr lang="en-US" baseline="0" dirty="0" smtClean="0"/>
+                        <a:t> yet</a:t>
                       </a:r>
                       <a:endParaRPr lang="en-US" dirty="0"/>
                     </a:p>
@@ -12382,11 +12477,11 @@
                 </a:tc>
                 <a:extLst>
                   <a:ext uri="{0D108BD9-81ED-4DB2-BD59-A6C34878D82A}">
-                    <a16:rowId xmlns:a16="http://schemas.microsoft.com/office/drawing/2014/main" val="4271777973"/>
+                    <a16:rowId xmlns:a16="http://schemas.microsoft.com/office/drawing/2014/main" val="1667354745"/>
                   </a:ext>
                 </a:extLst>
               </a:tr>
-              <a:tr h="349064">
+              <a:tr h="370840">
                 <a:tc>
                   <a:txBody>
                     <a:bodyPr/>
@@ -12394,11 +12489,222 @@
                     <a:p>
                       <a:r>
                         <a:rPr lang="en-US" dirty="0" smtClean="0"/>
-                        <a:t>Per</a:t>
+                        <a:t>Largest</a:t>
+                      </a:r>
+                      <a:endParaRPr lang="en-US" dirty="0"/>
+                    </a:p>
+                  </a:txBody>
+                  <a:tcPr/>
+                </a:tc>
+                <a:tc>
+                  <a:txBody>
+                    <a:bodyPr/>
+                    <a:lstStyle/>
+                    <a:p>
+                      <a:r>
+                        <a:rPr lang="en-US" dirty="0" smtClean="0"/>
+                        <a:t>Resnet10</a:t>
+                      </a:r>
+                      <a:endParaRPr lang="en-US" dirty="0"/>
+                    </a:p>
+                  </a:txBody>
+                  <a:tcPr/>
+                </a:tc>
+                <a:tc>
+                  <a:txBody>
+                    <a:bodyPr/>
+                    <a:lstStyle/>
+                    <a:p>
+                      <a:r>
+                        <a:rPr lang="en-US" dirty="0" err="1" smtClean="0"/>
+                        <a:t>DA+Dropblock</a:t>
+                      </a:r>
+                      <a:endParaRPr lang="en-US" dirty="0"/>
+                    </a:p>
+                  </a:txBody>
+                  <a:tcPr/>
+                </a:tc>
+                <a:tc>
+                  <a:txBody>
+                    <a:bodyPr/>
+                    <a:lstStyle/>
+                    <a:p>
+                      <a:r>
+                        <a:rPr lang="en-US" dirty="0" smtClean="0"/>
+                        <a:t>Not yet</a:t>
+                      </a:r>
+                      <a:endParaRPr lang="en-US" dirty="0"/>
+                    </a:p>
+                  </a:txBody>
+                  <a:tcPr/>
+                </a:tc>
+                <a:extLst>
+                  <a:ext uri="{0D108BD9-81ED-4DB2-BD59-A6C34878D82A}">
+                    <a16:rowId xmlns:a16="http://schemas.microsoft.com/office/drawing/2014/main" val="2112053711"/>
+                  </a:ext>
+                </a:extLst>
+              </a:tr>
+              <a:tr h="370840">
+                <a:tc>
+                  <a:txBody>
+                    <a:bodyPr/>
+                    <a:lstStyle/>
+                    <a:p>
+                      <a:r>
+                        <a:rPr lang="en-US" dirty="0" smtClean="0"/>
+                        <a:t>Largest</a:t>
+                      </a:r>
+                      <a:endParaRPr lang="en-US" dirty="0"/>
+                    </a:p>
+                  </a:txBody>
+                  <a:tcPr/>
+                </a:tc>
+                <a:tc>
+                  <a:txBody>
+                    <a:bodyPr/>
+                    <a:lstStyle/>
+                    <a:p>
+                      <a:r>
+                        <a:rPr lang="en-US" dirty="0" smtClean="0"/>
+                        <a:t>Resnet10</a:t>
+                      </a:r>
+                      <a:endParaRPr lang="en-US" dirty="0"/>
+                    </a:p>
+                  </a:txBody>
+                  <a:tcPr/>
+                </a:tc>
+                <a:tc>
+                  <a:txBody>
+                    <a:bodyPr/>
+                    <a:lstStyle/>
+                    <a:p>
+                      <a:r>
+                        <a:rPr lang="en-US" dirty="0" err="1" smtClean="0"/>
+                        <a:t>DA+</a:t>
+                      </a:r>
+                      <a:r>
+                        <a:rPr lang="en-US" baseline="0" dirty="0" err="1" smtClean="0"/>
+                        <a:t>fewer</a:t>
                       </a:r>
                       <a:r>
                         <a:rPr lang="en-US" baseline="0" dirty="0" smtClean="0"/>
-                        <a:t> tumor </a:t>
+                        <a:t> feature maps</a:t>
+                      </a:r>
+                      <a:endParaRPr lang="en-US" dirty="0"/>
+                    </a:p>
+                  </a:txBody>
+                  <a:tcPr/>
+                </a:tc>
+                <a:tc>
+                  <a:txBody>
+                    <a:bodyPr/>
+                    <a:lstStyle/>
+                    <a:p>
+                      <a:r>
+                        <a:rPr lang="en-US" dirty="0" smtClean="0"/>
+                        <a:t>Not yet</a:t>
+                      </a:r>
+                      <a:endParaRPr lang="en-US" dirty="0"/>
+                    </a:p>
+                  </a:txBody>
+                  <a:tcPr/>
+                </a:tc>
+                <a:extLst>
+                  <a:ext uri="{0D108BD9-81ED-4DB2-BD59-A6C34878D82A}">
+                    <a16:rowId xmlns:a16="http://schemas.microsoft.com/office/drawing/2014/main" val="25380293"/>
+                  </a:ext>
+                </a:extLst>
+              </a:tr>
+              <a:tr h="370840">
+                <a:tc>
+                  <a:txBody>
+                    <a:bodyPr/>
+                    <a:lstStyle/>
+                    <a:p>
+                      <a:r>
+                        <a:rPr lang="en-US" dirty="0" smtClean="0"/>
+                        <a:t>Largest</a:t>
+                      </a:r>
+                      <a:endParaRPr lang="en-US" dirty="0"/>
+                    </a:p>
+                  </a:txBody>
+                  <a:tcPr/>
+                </a:tc>
+                <a:tc>
+                  <a:txBody>
+                    <a:bodyPr/>
+                    <a:lstStyle/>
+                    <a:p>
+                      <a:r>
+                        <a:rPr lang="en-US" dirty="0" err="1" smtClean="0"/>
+                        <a:t>Swin</a:t>
+                      </a:r>
+                      <a:r>
+                        <a:rPr lang="en-US" dirty="0" smtClean="0"/>
+                        <a:t>-transformer</a:t>
+                      </a:r>
+                      <a:endParaRPr lang="en-US" dirty="0"/>
+                    </a:p>
+                  </a:txBody>
+                  <a:tcPr/>
+                </a:tc>
+                <a:tc>
+                  <a:txBody>
+                    <a:bodyPr/>
+                    <a:lstStyle/>
+                    <a:p>
+                      <a:r>
+                        <a:rPr lang="en-US" dirty="0" smtClean="0"/>
+                        <a:t>Dropout</a:t>
+                      </a:r>
+                      <a:endParaRPr lang="en-US" dirty="0"/>
+                    </a:p>
+                  </a:txBody>
+                  <a:tcPr/>
+                </a:tc>
+                <a:tc>
+                  <a:txBody>
+                    <a:bodyPr/>
+                    <a:lstStyle/>
+                    <a:p>
+                      <a:r>
+                        <a:rPr lang="en-US" dirty="0" smtClean="0"/>
+                        <a:t>Not yet</a:t>
+                      </a:r>
+                      <a:endParaRPr lang="en-US" dirty="0"/>
+                    </a:p>
+                  </a:txBody>
+                  <a:tcPr/>
+                </a:tc>
+                <a:extLst>
+                  <a:ext uri="{0D108BD9-81ED-4DB2-BD59-A6C34878D82A}">
+                    <a16:rowId xmlns:a16="http://schemas.microsoft.com/office/drawing/2014/main" val="1836037515"/>
+                  </a:ext>
+                </a:extLst>
+              </a:tr>
+              <a:tr h="370840">
+                <a:tc>
+                  <a:txBody>
+                    <a:bodyPr/>
+                    <a:lstStyle/>
+                    <a:p>
+                      <a:r>
+                        <a:rPr lang="en-US" dirty="0" smtClean="0"/>
+                        <a:t>Per tumor</a:t>
+                      </a:r>
+                      <a:endParaRPr lang="en-US" dirty="0"/>
+                    </a:p>
+                  </a:txBody>
+                  <a:tcPr/>
+                </a:tc>
+                <a:tc>
+                  <a:txBody>
+                    <a:bodyPr/>
+                    <a:lstStyle/>
+                    <a:p>
+                      <a:r>
+                        <a:rPr lang="en-US" dirty="0" smtClean="0"/>
+                        <a:t>Resnet10</a:t>
                       </a:r>
                       <a:endParaRPr lang="en-US" dirty="0"/>
                     </a:p>
@@ -12420,6 +12726,10 @@
                     <a:bodyPr/>
                     <a:lstStyle/>
                     <a:p>
+                      <a:r>
+                        <a:rPr lang="en-US" dirty="0" smtClean="0"/>
+                        <a:t>TBD </a:t>
+                      </a:r>
                       <a:endParaRPr lang="en-US" dirty="0"/>
                     </a:p>
                   </a:txBody>
@@ -12427,11 +12737,11 @@
                 </a:tc>
                 <a:extLst>
                   <a:ext uri="{0D108BD9-81ED-4DB2-BD59-A6C34878D82A}">
-                    <a16:rowId xmlns:a16="http://schemas.microsoft.com/office/drawing/2014/main" val="4055898691"/>
+                    <a16:rowId xmlns:a16="http://schemas.microsoft.com/office/drawing/2014/main" val="2324366120"/>
                   </a:ext>
                 </a:extLst>
               </a:tr>
-              <a:tr h="257391">
+              <a:tr h="370840">
                 <a:tc>
                   <a:txBody>
                     <a:bodyPr/>
@@ -12439,11 +12749,25 @@
                     <a:p>
                       <a:r>
                         <a:rPr lang="en-US" dirty="0" smtClean="0"/>
-                        <a:t>Per</a:t>
+                        <a:t>Per tumor </a:t>
+                      </a:r>
+                      <a:endParaRPr lang="en-US" dirty="0"/>
+                    </a:p>
+                  </a:txBody>
+                  <a:tcPr/>
+                </a:tc>
+                <a:tc>
+                  <a:txBody>
+                    <a:bodyPr/>
+                    <a:lstStyle/>
+                    <a:p>
+                      <a:r>
+                        <a:rPr lang="en-US" dirty="0" err="1" smtClean="0"/>
+                        <a:t>Swin</a:t>
                       </a:r>
                       <a:r>
-                        <a:rPr lang="en-US" baseline="0" dirty="0" smtClean="0"/>
-                        <a:t> tumor</a:t>
+                        <a:rPr lang="en-US" dirty="0" smtClean="0"/>
+                        <a:t>-transformer</a:t>
                       </a:r>
                       <a:endParaRPr lang="en-US" dirty="0"/>
                     </a:p>
@@ -12465,6 +12789,10 @@
                     <a:bodyPr/>
                     <a:lstStyle/>
                     <a:p>
+                      <a:r>
+                        <a:rPr lang="en-US" dirty="0" smtClean="0"/>
+                        <a:t>TBD</a:t>
+                      </a:r>
                       <a:endParaRPr lang="en-US" dirty="0"/>
                     </a:p>
                   </a:txBody>
@@ -12472,7 +12800,7 @@
                 </a:tc>
                 <a:extLst>
                   <a:ext uri="{0D108BD9-81ED-4DB2-BD59-A6C34878D82A}">
-                    <a16:rowId xmlns:a16="http://schemas.microsoft.com/office/drawing/2014/main" val="2417985407"/>
+                    <a16:rowId xmlns:a16="http://schemas.microsoft.com/office/drawing/2014/main" val="49243133"/>
                   </a:ext>
                 </a:extLst>
               </a:tr>
@@ -12480,202 +12808,6 @@
           </a:graphicData>
         </a:graphic>
       </p:graphicFrame>
-      <p:sp>
-        <p:nvSpPr>
-          <p:cNvPr id="5" name="TextBox 4"/>
-          <p:cNvSpPr txBox="1"/>
-          <p:nvPr/>
-        </p:nvSpPr>
-        <p:spPr bwMode="auto">
-          <a:xfrm>
-            <a:off x="246185" y="3783142"/>
-            <a:ext cx="6746630" cy="553998"/>
-          </a:xfrm>
-          <a:prstGeom prst="rect">
-            <a:avLst/>
-          </a:prstGeom>
-          <a:noFill/>
-          <a:ln>
-            <a:noFill/>
-          </a:ln>
-          <a:effectLst/>
-          <a:extLst>
-            <a:ext uri="{FAA26D3D-D897-4be2-8F04-BA451C77F1D7}">
-              <ma14:placeholderFlag xmlns:ma14="http://schemas.microsoft.com/office/mac/drawingml/2011/main" xmlns="" val="1"/>
-            </a:ext>
-            <a:ext uri="{909E8E84-426E-40dd-AFC4-6F175D3DCCD1}">
-              <a14:hiddenFill xmlns:a14="http://schemas.microsoft.com/office/drawing/2010/main" xmlns="">
-                <a:solidFill>
-                  <a:srgbClr val="0D1F74"/>
-                </a:solidFill>
-              </a14:hiddenFill>
-            </a:ext>
-            <a:ext uri="{91240B29-F687-4f45-9708-019B960494DF}">
-              <a14:hiddenLine xmlns:a14="http://schemas.microsoft.com/office/drawing/2010/main" xmlns="" w="9525">
-                <a:solidFill>
-                  <a:schemeClr val="tx1"/>
-                </a:solidFill>
-                <a:miter lim="800000"/>
-                <a:headEnd/>
-                <a:tailEnd/>
-              </a14:hiddenLine>
-            </a:ext>
-            <a:ext uri="{AF507438-7753-43e0-B8FC-AC1667EBCBE1}">
-              <a14:hiddenEffects xmlns:a14="http://schemas.microsoft.com/office/drawing/2010/main" xmlns="">
-                <a:effectLst>
-                  <a:outerShdw blurRad="63500" dist="38099" dir="2700000" algn="ctr" rotWithShape="0">
-                    <a:schemeClr val="bg2">
-                      <a:alpha val="74998"/>
-                    </a:schemeClr>
-                  </a:outerShdw>
-                </a:effectLst>
-              </a14:hiddenEffects>
-            </a:ext>
-          </a:extLst>
-        </p:spPr>
-        <p:txBody>
-          <a:bodyPr vert="horz" wrap="square" lIns="91440" tIns="45720" rIns="91440" bIns="45720" numCol="1" rtlCol="0" anchor="t" anchorCtr="0" compatLnSpc="1">
-            <a:prstTxWarp prst="textNoShape">
-              <a:avLst/>
-            </a:prstTxWarp>
-            <a:spAutoFit/>
-          </a:bodyPr>
-          <a:lstStyle/>
-          <a:p>
-            <a:pPr marL="228600" indent="-228600">
-              <a:buAutoNum type="arabicPeriod"/>
-            </a:pPr>
-            <a:r>
-              <a:rPr lang="en-US" sz="1000" i="0" kern="0" dirty="0" smtClean="0">
-                <a:solidFill>
-                  <a:srgbClr val="0C2074"/>
-                </a:solidFill>
-                <a:latin typeface="Arial Black" charset="0"/>
-                <a:ea typeface="Arial Black" charset="0"/>
-                <a:cs typeface="Arial Black" charset="0"/>
-              </a:rPr>
-              <a:t>For </a:t>
-            </a:r>
-            <a:r>
-              <a:rPr lang="en-US" sz="1000" i="0" kern="0" dirty="0" err="1" smtClean="0">
-                <a:solidFill>
-                  <a:srgbClr val="0C2074"/>
-                </a:solidFill>
-                <a:latin typeface="Arial Black" charset="0"/>
-                <a:ea typeface="Arial Black" charset="0"/>
-                <a:cs typeface="Arial Black" charset="0"/>
-              </a:rPr>
-              <a:t>resnet</a:t>
-            </a:r>
-            <a:r>
-              <a:rPr lang="en-US" sz="1000" i="0" kern="0" dirty="0" smtClean="0">
-                <a:solidFill>
-                  <a:srgbClr val="0C2074"/>
-                </a:solidFill>
-                <a:latin typeface="Arial Black" charset="0"/>
-                <a:ea typeface="Arial Black" charset="0"/>
-                <a:cs typeface="Arial Black" charset="0"/>
-              </a:rPr>
-              <a:t>, input raw data; For </a:t>
-            </a:r>
-            <a:r>
-              <a:rPr lang="en-US" sz="1000" i="0" kern="0" dirty="0" err="1" smtClean="0">
-                <a:solidFill>
-                  <a:srgbClr val="0C2074"/>
-                </a:solidFill>
-                <a:latin typeface="Arial Black" charset="0"/>
-                <a:ea typeface="Arial Black" charset="0"/>
-                <a:cs typeface="Arial Black" charset="0"/>
-              </a:rPr>
-              <a:t>Swin</a:t>
-            </a:r>
-            <a:r>
-              <a:rPr lang="en-US" sz="1000" i="0" kern="0" dirty="0" smtClean="0">
-                <a:solidFill>
-                  <a:srgbClr val="0C2074"/>
-                </a:solidFill>
-                <a:latin typeface="Arial Black" charset="0"/>
-                <a:ea typeface="Arial Black" charset="0"/>
-                <a:cs typeface="Arial Black" charset="0"/>
-              </a:rPr>
-              <a:t>-transformer, padding with Crop to (256,256,64)</a:t>
-            </a:r>
-          </a:p>
-          <a:p>
-            <a:pPr marL="228600" indent="-228600">
-              <a:buAutoNum type="arabicPeriod"/>
-            </a:pPr>
-            <a:r>
-              <a:rPr lang="en-US" sz="1000" i="0" kern="0" dirty="0" smtClean="0">
-                <a:solidFill>
-                  <a:srgbClr val="0C2074"/>
-                </a:solidFill>
-                <a:latin typeface="Arial Black" charset="0"/>
-                <a:ea typeface="Arial Black" charset="0"/>
-                <a:cs typeface="Arial Black" charset="0"/>
-              </a:rPr>
-              <a:t>For the parameters will do some </a:t>
-            </a:r>
-            <a:r>
-              <a:rPr lang="en-US" sz="1000" i="0" kern="0" dirty="0" smtClean="0">
-                <a:solidFill>
-                  <a:srgbClr val="0C2074"/>
-                </a:solidFill>
-                <a:latin typeface="Arial Black" charset="0"/>
-                <a:ea typeface="Arial Black" charset="0"/>
-                <a:cs typeface="Arial Black" charset="0"/>
-              </a:rPr>
-              <a:t>pre-</a:t>
-            </a:r>
-            <a:r>
-              <a:rPr lang="en-US" sz="1000" i="0" kern="0" dirty="0" err="1" smtClean="0">
-                <a:solidFill>
-                  <a:srgbClr val="0C2074"/>
-                </a:solidFill>
-                <a:latin typeface="Arial Black" charset="0"/>
-                <a:ea typeface="Arial Black" charset="0"/>
-                <a:cs typeface="Arial Black" charset="0"/>
-              </a:rPr>
-              <a:t>exps</a:t>
-            </a:r>
-            <a:r>
-              <a:rPr lang="en-US" sz="1000" i="0" kern="0" dirty="0" smtClean="0">
-                <a:solidFill>
-                  <a:srgbClr val="0C2074"/>
-                </a:solidFill>
-                <a:latin typeface="Arial Black" charset="0"/>
-                <a:ea typeface="Arial Black" charset="0"/>
-                <a:cs typeface="Arial Black" charset="0"/>
-              </a:rPr>
-              <a:t> to see if it works.</a:t>
-            </a:r>
-          </a:p>
-          <a:p>
-            <a:pPr marL="228600" indent="-228600">
-              <a:buAutoNum type="arabicPeriod"/>
-            </a:pPr>
-            <a:r>
-              <a:rPr lang="en-US" sz="1000" i="0" kern="0" dirty="0" smtClean="0">
-                <a:solidFill>
-                  <a:srgbClr val="0C2074"/>
-                </a:solidFill>
-                <a:latin typeface="Arial Black" charset="0"/>
-                <a:ea typeface="Arial Black" charset="0"/>
-                <a:cs typeface="Arial Black" charset="0"/>
-              </a:rPr>
-              <a:t>Per tumor is still to be decided how to extract.</a:t>
-            </a:r>
-            <a:endParaRPr lang="en-US" sz="1000" i="0" kern="0" dirty="0" smtClean="0">
-              <a:solidFill>
-                <a:srgbClr val="0C2074"/>
-              </a:solidFill>
-              <a:latin typeface="Arial Black" charset="0"/>
-              <a:ea typeface="Arial Black" charset="0"/>
-              <a:cs typeface="Arial Black" charset="0"/>
-            </a:endParaRPr>
-          </a:p>
-        </p:txBody>
-      </p:sp>
     </p:spTree>
     <p:extLst>
       <p:ext uri="{BB962C8B-B14F-4D97-AF65-F5344CB8AC3E}">
